--- a/M10715049/M10715049 - KDD期末報告.pptx
+++ b/M10715049/M10715049 - KDD期末報告.pptx
@@ -5,7 +5,7 @@
     <p:sldMasterId id="2147483648" r:id="rId1"/>
   </p:sldMasterIdLst>
   <p:notesMasterIdLst>
-    <p:notesMasterId r:id="rId12"/>
+    <p:notesMasterId r:id="rId14"/>
   </p:notesMasterIdLst>
   <p:sldIdLst>
     <p:sldId id="256" r:id="rId2"/>
@@ -18,6 +18,8 @@
     <p:sldId id="267" r:id="rId9"/>
     <p:sldId id="264" r:id="rId10"/>
     <p:sldId id="265" r:id="rId11"/>
+    <p:sldId id="271" r:id="rId12"/>
+    <p:sldId id="270" r:id="rId13"/>
   </p:sldIdLst>
   <p:sldSz cx="12192000" cy="6858000"/>
   <p:notesSz cx="6858000" cy="9144000"/>
@@ -118,7 +120,7 @@
   </p:defaultTextStyle>
   <p:extLst>
     <p:ext uri="{EFAFB233-063F-42B5-8137-9DF3F51BA10A}">
-      <p15:sldGuideLst xmlns:p15="http://schemas.microsoft.com/office/powerpoint/2012/main"/>
+      <p15:sldGuideLst xmlns="" xmlns:p15="http://schemas.microsoft.com/office/powerpoint/2012/main"/>
     </p:ext>
   </p:extLst>
 </p:presentation>
@@ -206,7 +208,7 @@
           <a:p>
             <a:fld id="{4A759A49-A284-4608-8654-1AF96D589C79}" type="datetimeFigureOut">
               <a:rPr lang="zh-TW" altLang="en-US" smtClean="0"/>
-              <a:t>2019/6/4</a:t>
+              <a:t>2019/6/9</a:t>
             </a:fld>
             <a:endParaRPr lang="zh-TW" altLang="en-US"/>
           </a:p>
@@ -1643,7 +1645,7 @@
           <a:p>
             <a:fld id="{48A87A34-81AB-432B-8DAE-1953F412C126}" type="datetimeFigureOut">
               <a:rPr lang="en-US" dirty="0"/>
-              <a:t>6/4/2019</a:t>
+              <a:t>6/9/2019</a:t>
             </a:fld>
             <a:endParaRPr lang="en-US" dirty="0"/>
           </a:p>
@@ -1849,7 +1851,7 @@
           <a:p>
             <a:fld id="{48A87A34-81AB-432B-8DAE-1953F412C126}" type="datetimeFigureOut">
               <a:rPr lang="en-US" dirty="0"/>
-              <a:t>6/4/2019</a:t>
+              <a:t>6/9/2019</a:t>
             </a:fld>
             <a:endParaRPr lang="en-US" dirty="0"/>
           </a:p>
@@ -2059,7 +2061,7 @@
           <a:p>
             <a:fld id="{48A87A34-81AB-432B-8DAE-1953F412C126}" type="datetimeFigureOut">
               <a:rPr lang="en-US" dirty="0"/>
-              <a:t>6/4/2019</a:t>
+              <a:t>6/9/2019</a:t>
             </a:fld>
             <a:endParaRPr lang="en-US" dirty="0"/>
           </a:p>
@@ -2255,7 +2257,7 @@
           <a:p>
             <a:fld id="{48A87A34-81AB-432B-8DAE-1953F412C126}" type="datetimeFigureOut">
               <a:rPr lang="en-US" dirty="0"/>
-              <a:t>6/4/2019</a:t>
+              <a:t>6/9/2019</a:t>
             </a:fld>
             <a:endParaRPr lang="en-US" dirty="0"/>
           </a:p>
@@ -2529,7 +2531,7 @@
           <a:p>
             <a:fld id="{48A87A34-81AB-432B-8DAE-1953F412C126}" type="datetimeFigureOut">
               <a:rPr lang="en-US" dirty="0"/>
-              <a:t>6/4/2019</a:t>
+              <a:t>6/9/2019</a:t>
             </a:fld>
             <a:endParaRPr lang="en-US" dirty="0"/>
           </a:p>
@@ -2792,7 +2794,7 @@
           <a:p>
             <a:fld id="{48A87A34-81AB-432B-8DAE-1953F412C126}" type="datetimeFigureOut">
               <a:rPr lang="en-US" dirty="0"/>
-              <a:t>6/4/2019</a:t>
+              <a:t>6/9/2019</a:t>
             </a:fld>
             <a:endParaRPr lang="en-US" dirty="0"/>
           </a:p>
@@ -3203,7 +3205,7 @@
           <a:p>
             <a:fld id="{48A87A34-81AB-432B-8DAE-1953F412C126}" type="datetimeFigureOut">
               <a:rPr lang="en-US" dirty="0"/>
-              <a:t>6/4/2019</a:t>
+              <a:t>6/9/2019</a:t>
             </a:fld>
             <a:endParaRPr lang="en-US" dirty="0"/>
           </a:p>
@@ -3347,7 +3349,7 @@
           <a:p>
             <a:fld id="{48A87A34-81AB-432B-8DAE-1953F412C126}" type="datetimeFigureOut">
               <a:rPr lang="en-US" dirty="0"/>
-              <a:t>6/4/2019</a:t>
+              <a:t>6/9/2019</a:t>
             </a:fld>
             <a:endParaRPr lang="en-US" dirty="0"/>
           </a:p>
@@ -3468,7 +3470,7 @@
           <a:p>
             <a:fld id="{48A87A34-81AB-432B-8DAE-1953F412C126}" type="datetimeFigureOut">
               <a:rPr lang="en-US" dirty="0"/>
-              <a:t>6/4/2019</a:t>
+              <a:t>6/9/2019</a:t>
             </a:fld>
             <a:endParaRPr lang="en-US" dirty="0"/>
           </a:p>
@@ -3714,7 +3716,7 @@
           <a:p>
             <a:fld id="{48A87A34-81AB-432B-8DAE-1953F412C126}" type="datetimeFigureOut">
               <a:rPr lang="en-US" dirty="0"/>
-              <a:t>6/4/2019</a:t>
+              <a:t>6/9/2019</a:t>
             </a:fld>
             <a:endParaRPr lang="en-US" dirty="0"/>
           </a:p>
@@ -4155,7 +4157,7 @@
             <a:fld id="{48A87A34-81AB-432B-8DAE-1953F412C126}" type="datetimeFigureOut">
               <a:rPr lang="en-US" dirty="0"/>
               <a:pPr/>
-              <a:t>6/4/2019</a:t>
+              <a:t>6/9/2019</a:t>
             </a:fld>
             <a:endParaRPr lang="en-US" dirty="0"/>
           </a:p>
@@ -4477,7 +4479,7 @@
             <a:fld id="{48A87A34-81AB-432B-8DAE-1953F412C126}" type="datetimeFigureOut">
               <a:rPr lang="en-US" dirty="0"/>
               <a:pPr/>
-              <a:t>6/4/2019</a:t>
+              <a:t>6/9/2019</a:t>
             </a:fld>
             <a:endParaRPr lang="en-US" dirty="0"/>
           </a:p>
@@ -5360,6 +5362,272 @@
 </p:sld>
 </file>
 
+<file path=ppt/slides/slide11.xml><?xml version="1.0" encoding="utf-8"?>
+<p:sld xmlns:a="http://schemas.openxmlformats.org/drawingml/2006/main" xmlns:r="http://schemas.openxmlformats.org/officeDocument/2006/relationships" xmlns:p="http://schemas.openxmlformats.org/presentationml/2006/main">
+  <p:cSld>
+    <p:spTree>
+      <p:nvGrpSpPr>
+        <p:cNvPr id="1" name=""/>
+        <p:cNvGrpSpPr/>
+        <p:nvPr/>
+      </p:nvGrpSpPr>
+      <p:grpSpPr>
+        <a:xfrm>
+          <a:off x="0" y="0"/>
+          <a:ext cx="0" cy="0"/>
+          <a:chOff x="0" y="0"/>
+          <a:chExt cx="0" cy="0"/>
+        </a:xfrm>
+      </p:grpSpPr>
+      <p:sp>
+        <p:nvSpPr>
+          <p:cNvPr id="2" name="標題 1"/>
+          <p:cNvSpPr>
+            <a:spLocks noGrp="1"/>
+          </p:cNvSpPr>
+          <p:nvPr>
+            <p:ph type="title"/>
+          </p:nvPr>
+        </p:nvSpPr>
+        <p:spPr/>
+        <p:txBody>
+          <a:bodyPr/>
+          <a:lstStyle/>
+          <a:p>
+            <a:r>
+              <a:rPr lang="zh-TW" altLang="en-US" dirty="0" smtClean="0"/>
+              <a:t>團隊分工</a:t>
+            </a:r>
+            <a:endParaRPr lang="zh-TW" altLang="en-US" dirty="0"/>
+          </a:p>
+        </p:txBody>
+      </p:sp>
+      <p:sp>
+        <p:nvSpPr>
+          <p:cNvPr id="6" name="內容版面配置區 2"/>
+          <p:cNvSpPr>
+            <a:spLocks noGrp="1"/>
+          </p:cNvSpPr>
+          <p:nvPr>
+            <p:ph idx="1"/>
+          </p:nvPr>
+        </p:nvSpPr>
+        <p:spPr>
+          <a:xfrm>
+            <a:off x="1451579" y="2015732"/>
+            <a:ext cx="9603275" cy="3450613"/>
+          </a:xfrm>
+        </p:spPr>
+        <p:txBody>
+          <a:bodyPr/>
+          <a:lstStyle/>
+          <a:p>
+            <a:r>
+              <a:rPr lang="en-US" altLang="zh-TW" dirty="0" smtClean="0"/>
+              <a:t>M10715049</a:t>
+            </a:r>
+            <a:r>
+              <a:rPr lang="zh-TW" altLang="en-US" dirty="0" smtClean="0"/>
+              <a:t> </a:t>
+            </a:r>
+            <a:r>
+              <a:rPr lang="zh-TW" altLang="en-US" dirty="0"/>
+              <a:t>羅濟</a:t>
+            </a:r>
+            <a:r>
+              <a:rPr lang="zh-TW" altLang="en-US" dirty="0" smtClean="0"/>
+              <a:t>威 </a:t>
+            </a:r>
+            <a:r>
+              <a:rPr lang="en-US" altLang="zh-TW" dirty="0" smtClean="0"/>
+              <a:t>– </a:t>
+            </a:r>
+            <a:r>
+              <a:rPr lang="zh-TW" altLang="en-US" dirty="0" smtClean="0"/>
+              <a:t>數據處理的程式撰寫</a:t>
+            </a:r>
+            <a:r>
+              <a:rPr lang="en-US" altLang="zh-TW" dirty="0" smtClean="0"/>
+              <a:t> </a:t>
+            </a:r>
+          </a:p>
+          <a:p>
+            <a:r>
+              <a:rPr lang="en-US" altLang="zh-TW" dirty="0" smtClean="0"/>
+              <a:t>M10715087</a:t>
+            </a:r>
+            <a:r>
+              <a:rPr lang="zh-TW" altLang="en-US" dirty="0" smtClean="0"/>
+              <a:t> 蘇皓群 </a:t>
+            </a:r>
+            <a:r>
+              <a:rPr lang="en-US" altLang="zh-TW" dirty="0" smtClean="0"/>
+              <a:t>–</a:t>
+            </a:r>
+            <a:r>
+              <a:rPr lang="zh-TW" altLang="en-US" dirty="0" smtClean="0"/>
+              <a:t> 訓練模型的架構設計</a:t>
+            </a:r>
+            <a:endParaRPr lang="en-US" altLang="zh-TW" dirty="0" smtClean="0"/>
+          </a:p>
+          <a:p>
+            <a:r>
+              <a:rPr lang="en-US" altLang="zh-TW" dirty="0" smtClean="0"/>
+              <a:t>M10715091</a:t>
+            </a:r>
+            <a:r>
+              <a:rPr lang="zh-TW" altLang="en-US" dirty="0" smtClean="0"/>
+              <a:t> </a:t>
+            </a:r>
+            <a:r>
+              <a:rPr lang="zh-TW" altLang="en-US" dirty="0"/>
+              <a:t>湯景</a:t>
+            </a:r>
+            <a:r>
+              <a:rPr lang="zh-TW" altLang="en-US" dirty="0" smtClean="0"/>
+              <a:t>淳</a:t>
+            </a:r>
+            <a:r>
+              <a:rPr lang="zh-TW" altLang="en-US" dirty="0"/>
+              <a:t> </a:t>
+            </a:r>
+            <a:r>
+              <a:rPr lang="en-US" altLang="zh-TW" dirty="0" smtClean="0"/>
+              <a:t>–</a:t>
+            </a:r>
+            <a:r>
+              <a:rPr lang="zh-TW" altLang="en-US" dirty="0"/>
+              <a:t> </a:t>
+            </a:r>
+            <a:r>
+              <a:rPr lang="zh-TW" altLang="en-US" dirty="0" smtClean="0"/>
+              <a:t>數據分布分析</a:t>
+            </a:r>
+            <a:endParaRPr lang="en-US" altLang="zh-TW" dirty="0" smtClean="0"/>
+          </a:p>
+          <a:p>
+            <a:pPr marL="0" indent="0">
+              <a:buNone/>
+            </a:pPr>
+            <a:endParaRPr lang="en-US" altLang="zh-TW" dirty="0" smtClean="0"/>
+          </a:p>
+          <a:p>
+            <a:endParaRPr lang="zh-TW" altLang="en-US" dirty="0"/>
+          </a:p>
+        </p:txBody>
+      </p:sp>
+    </p:spTree>
+    <p:extLst>
+      <p:ext uri="{BB962C8B-B14F-4D97-AF65-F5344CB8AC3E}">
+        <p14:creationId xmlns:p14="http://schemas.microsoft.com/office/powerpoint/2010/main" val="4128775713"/>
+      </p:ext>
+    </p:extLst>
+  </p:cSld>
+  <p:clrMapOvr>
+    <a:masterClrMapping/>
+  </p:clrMapOvr>
+</p:sld>
+</file>
+
+<file path=ppt/slides/slide12.xml><?xml version="1.0" encoding="utf-8"?>
+<p:sld xmlns:a="http://schemas.openxmlformats.org/drawingml/2006/main" xmlns:r="http://schemas.openxmlformats.org/officeDocument/2006/relationships" xmlns:p="http://schemas.openxmlformats.org/presentationml/2006/main">
+  <p:cSld>
+    <p:spTree>
+      <p:nvGrpSpPr>
+        <p:cNvPr id="1" name=""/>
+        <p:cNvGrpSpPr/>
+        <p:nvPr/>
+      </p:nvGrpSpPr>
+      <p:grpSpPr>
+        <a:xfrm>
+          <a:off x="0" y="0"/>
+          <a:ext cx="0" cy="0"/>
+          <a:chOff x="0" y="0"/>
+          <a:chExt cx="0" cy="0"/>
+        </a:xfrm>
+      </p:grpSpPr>
+      <p:sp>
+        <p:nvSpPr>
+          <p:cNvPr id="2" name="標題 1"/>
+          <p:cNvSpPr>
+            <a:spLocks noGrp="1"/>
+          </p:cNvSpPr>
+          <p:nvPr>
+            <p:ph type="title"/>
+          </p:nvPr>
+        </p:nvSpPr>
+        <p:spPr/>
+        <p:txBody>
+          <a:bodyPr/>
+          <a:lstStyle/>
+          <a:p>
+            <a:r>
+              <a:rPr lang="zh-TW" altLang="en-US" dirty="0" smtClean="0"/>
+              <a:t>心得</a:t>
+            </a:r>
+            <a:endParaRPr lang="zh-TW" altLang="en-US" dirty="0"/>
+          </a:p>
+        </p:txBody>
+      </p:sp>
+      <p:sp>
+        <p:nvSpPr>
+          <p:cNvPr id="6" name="內容版面配置區 2"/>
+          <p:cNvSpPr>
+            <a:spLocks noGrp="1"/>
+          </p:cNvSpPr>
+          <p:nvPr>
+            <p:ph idx="1"/>
+          </p:nvPr>
+        </p:nvSpPr>
+        <p:spPr>
+          <a:xfrm>
+            <a:off x="1451579" y="2015732"/>
+            <a:ext cx="9603275" cy="3450613"/>
+          </a:xfrm>
+        </p:spPr>
+        <p:txBody>
+          <a:bodyPr/>
+          <a:lstStyle/>
+          <a:p>
+            <a:pPr marL="0" indent="0">
+              <a:buNone/>
+            </a:pPr>
+            <a:r>
+              <a:rPr lang="zh-TW" altLang="en-US" dirty="0" smtClean="0"/>
+              <a:t>剛入學時只知道機器學習這塊領域正火紅，而不知道如何切入以及學習。感謝老師開這門課並推薦機器學習比賽給我們參與，這堂課學到了如何對數據</a:t>
+            </a:r>
+            <a:r>
+              <a:rPr lang="zh-TW" altLang="en-US" smtClean="0"/>
+              <a:t>進行分析以及數據的前處理、</a:t>
+            </a:r>
+            <a:r>
+              <a:rPr lang="zh-TW" altLang="en-US" smtClean="0"/>
+              <a:t>萃取特徵、</a:t>
+            </a:r>
+            <a:r>
+              <a:rPr lang="zh-TW" altLang="en-US" smtClean="0"/>
+              <a:t>正規化、模型訓練，更重要的是在課堂上可以跟其他同學分享想法，彼此切磋進步。雖然我們沒有將準確度達到最好，但是已經學會如何從無透過程式以及想法建構出一個預測系統，並有想法性的提升預測準確度。最後感謝老師指導與建議。</a:t>
+            </a:r>
+            <a:endParaRPr lang="en-US" altLang="zh-TW" dirty="0" smtClean="0"/>
+          </a:p>
+          <a:p>
+            <a:endParaRPr lang="zh-TW" altLang="en-US" dirty="0"/>
+          </a:p>
+        </p:txBody>
+      </p:sp>
+    </p:spTree>
+    <p:extLst>
+      <p:ext uri="{BB962C8B-B14F-4D97-AF65-F5344CB8AC3E}">
+        <p14:creationId xmlns:p14="http://schemas.microsoft.com/office/powerpoint/2010/main" val="1499336104"/>
+      </p:ext>
+    </p:extLst>
+  </p:cSld>
+  <p:clrMapOvr>
+    <a:masterClrMapping/>
+  </p:clrMapOvr>
+</p:sld>
+</file>
+
 <file path=ppt/slides/slide2.xml><?xml version="1.0" encoding="utf-8"?>
 <p:sld xmlns:a="http://schemas.openxmlformats.org/drawingml/2006/main" xmlns:r="http://schemas.openxmlformats.org/officeDocument/2006/relationships" xmlns:p="http://schemas.openxmlformats.org/presentationml/2006/main">
   <p:cSld>
@@ -5768,7 +6036,6 @@
               <a:rPr lang="en-US" altLang="zh-TW" dirty="0" smtClean="0"/>
               <a:t>Hour : the time</a:t>
             </a:r>
-            <a:endParaRPr lang="en-US" altLang="zh-TW" dirty="0" smtClean="0"/>
           </a:p>
           <a:p>
             <a:endParaRPr lang="en-US" altLang="zh-TW" dirty="0" smtClean="0"/>
@@ -5846,7 +6113,6 @@
               <a:rPr lang="zh-TW" altLang="en-US" dirty="0"/>
               <a:t>架構</a:t>
             </a:r>
-            <a:endParaRPr lang="zh-TW" altLang="en-US" dirty="0"/>
           </a:p>
         </p:txBody>
       </p:sp>
@@ -7843,7 +8109,7 @@
   <a:extraClrSchemeLst/>
   <a:extLst>
     <a:ext uri="{05A4C25C-085E-4340-85A3-A5531E510DB2}">
-      <thm15:themeFamily xmlns:thm15="http://schemas.microsoft.com/office/thememl/2012/main" name="Gallery" id="{BBFCD31E-59A1-489D-B089-A3EAD7CAE12E}" vid="{F5E91637-A7B6-4E27-B710-77DA7014EE1E}"/>
+      <thm15:themeFamily xmlns="" xmlns:thm15="http://schemas.microsoft.com/office/thememl/2012/main" name="Gallery" id="{BBFCD31E-59A1-489D-B089-A3EAD7CAE12E}" vid="{F5E91637-A7B6-4E27-B710-77DA7014EE1E}"/>
     </a:ext>
   </a:extLst>
 </a:theme>
@@ -8104,7 +8370,7 @@
   <a:extraClrSchemeLst/>
   <a:extLst>
     <a:ext uri="{05A4C25C-085E-4340-85A3-A5531E510DB2}">
-      <thm15:themeFamily xmlns:thm15="http://schemas.microsoft.com/office/thememl/2012/main" name="Office Theme" id="{62F939B6-93AF-4DB8-9C6B-D6C7DFDC589F}" vid="{4A3C46E8-61CC-4603-A589-7422A47A8E4A}"/>
+      <thm15:themeFamily xmlns="" xmlns:thm15="http://schemas.microsoft.com/office/thememl/2012/main" name="Office Theme" id="{62F939B6-93AF-4DB8-9C6B-D6C7DFDC589F}" vid="{4A3C46E8-61CC-4603-A589-7422A47A8E4A}"/>
     </a:ext>
   </a:extLst>
 </a:theme>
